--- a/Hortonworks and Red Hat Big Data Demos.pptx
+++ b/Hortonworks and Red Hat Big Data Demos.pptx
@@ -10658,7 +10658,7 @@
           </a:ln>
           <a:extLst>
             <a:ext uri="{91240B29-F687-4f45-9708-019B960494DF}">
-              <a14:hiddenLine xmlns="" xmlns:a14="http://schemas.microsoft.com/office/drawing/2010/main" w="12700" cap="flat">
+              <a14:hiddenLine xmlns:a14="http://schemas.microsoft.com/office/drawing/2010/main" xmlns="" w="12700" cap="flat">
                 <a:solidFill>
                   <a:schemeClr val="tx1"/>
                 </a:solidFill>
@@ -10738,7 +10738,7 @@
           </a:ln>
           <a:extLst>
             <a:ext uri="{91240B29-F687-4f45-9708-019B960494DF}">
-              <a14:hiddenLine xmlns="" xmlns:a14="http://schemas.microsoft.com/office/drawing/2010/main" w="12700" cap="flat">
+              <a14:hiddenLine xmlns:a14="http://schemas.microsoft.com/office/drawing/2010/main" xmlns="" w="12700" cap="flat">
                 <a:solidFill>
                   <a:schemeClr val="tx1"/>
                 </a:solidFill>
@@ -11785,7 +11785,7 @@
           </a:ln>
           <a:extLst>
             <a:ext uri="{91240B29-F687-4f45-9708-019B960494DF}">
-              <a14:hiddenLine xmlns="" xmlns:a14="http://schemas.microsoft.com/office/drawing/2010/main" w="12700" cap="flat">
+              <a14:hiddenLine xmlns:a14="http://schemas.microsoft.com/office/drawing/2010/main" xmlns="" w="12700" cap="flat">
                 <a:solidFill>
                   <a:schemeClr val="tx1"/>
                 </a:solidFill>
@@ -11885,7 +11885,7 @@
           </a:ln>
           <a:extLst>
             <a:ext uri="{91240B29-F687-4f45-9708-019B960494DF}">
-              <a14:hiddenLine xmlns="" xmlns:a14="http://schemas.microsoft.com/office/drawing/2010/main" w="12700" cap="flat">
+              <a14:hiddenLine xmlns:a14="http://schemas.microsoft.com/office/drawing/2010/main" xmlns="" w="12700" cap="flat">
                 <a:solidFill>
                   <a:schemeClr val="tx1"/>
                 </a:solidFill>
@@ -13585,7 +13585,7 @@
             </a:r>
           </a:p>
           <a:p>
-            <a:pPr marL="0" indent="0" hangingPunct="1">
+            <a:pPr marL="0" indent="0" defTabSz="914400" fontAlgn="auto" hangingPunct="1">
               <a:lnSpc>
                 <a:spcPct val="100000"/>
               </a:lnSpc>
@@ -13595,26 +13595,60 @@
               <a:spcAft>
                 <a:spcPts val="0"/>
               </a:spcAft>
+              <a:buClrTx/>
               <a:buSzTx/>
               <a:buNone/>
               <a:defRPr/>
             </a:pPr>
             <a:r>
-              <a:rPr lang="en-US" sz="1800">
+              <a:rPr lang="en-US" sz="1800" smtClean="0">
                 <a:solidFill>
                   <a:prstClr val="black"/>
                 </a:solidFill>
                 <a:latin typeface="Calibri"/>
+                <a:ea typeface="+mn-ea"/>
+              </a:rPr>
+              <a:t>How to guide: </a:t>
+            </a:r>
+            <a:r>
+              <a:rPr lang="en-US" sz="1800" smtClean="0">
                 <a:hlinkClick r:id="rId2"/>
               </a:rPr>
-              <a:t>https://drive.google.com/folderview?id=0B5kKwcd4kOq9RUlHcVBMVjJuX2c&amp;usp=sharing</a:t>
-            </a:r>
-            <a:endParaRPr lang="en-US" sz="1800">
-              <a:solidFill>
-                <a:prstClr val="black"/>
-              </a:solidFill>
-              <a:latin typeface="Calibri"/>
-            </a:endParaRPr>
+              <a:t>https</a:t>
+            </a:r>
+            <a:r>
+              <a:rPr lang="en-US" sz="1800">
+                <a:hlinkClick r:id="rId2"/>
+              </a:rPr>
+              <a:t>://github.com/DataVirtualizationByExample/HortonworksUseCase3</a:t>
+            </a:r>
+            <a:endParaRPr lang="en-US" sz="1800"/>
+          </a:p>
+          <a:p>
+            <a:pPr marL="0" indent="0" defTabSz="914400" fontAlgn="auto" hangingPunct="1">
+              <a:lnSpc>
+                <a:spcPct val="100000"/>
+              </a:lnSpc>
+              <a:spcBef>
+                <a:spcPct val="20000"/>
+              </a:spcBef>
+              <a:spcAft>
+                <a:spcPts val="0"/>
+              </a:spcAft>
+              <a:buClrTx/>
+              <a:buSzTx/>
+              <a:buNone/>
+              <a:defRPr/>
+            </a:pPr>
+            <a:r>
+              <a:rPr lang="en-US" sz="1800">
+                <a:solidFill>
+                  <a:prstClr val="black"/>
+                </a:solidFill>
+                <a:latin typeface="Calibri"/>
+              </a:rPr>
+              <a:t>Tutorial: Available soon</a:t>
+            </a:r>
           </a:p>
           <a:p>
             <a:pPr marL="0" indent="0" defTabSz="914400" fontAlgn="auto" hangingPunct="1">
@@ -13785,13 +13819,13 @@
             </a:pPr>
             <a:r>
               <a:rPr lang="en-US" sz="1800">
-                <a:hlinkClick r:id="rId5"/>
+                <a:hlinkClick r:id="rId2"/>
               </a:rPr>
               <a:t>https://</a:t>
             </a:r>
             <a:r>
               <a:rPr lang="en-US" sz="1800" smtClean="0">
-                <a:hlinkClick r:id="rId5"/>
+                <a:hlinkClick r:id="rId2"/>
               </a:rPr>
               <a:t>github.com/DataVirtualizationByExample/HortonworksUseCase3</a:t>
             </a:r>
@@ -15840,7 +15874,7 @@
           </a:ln>
           <a:extLst>
             <a:ext uri="{91240B29-F687-4f45-9708-019B960494DF}">
-              <a14:hiddenLine xmlns="" xmlns:a14="http://schemas.microsoft.com/office/drawing/2010/main" w="12700" cap="flat">
+              <a14:hiddenLine xmlns:a14="http://schemas.microsoft.com/office/drawing/2010/main" xmlns="" w="12700" cap="flat">
                 <a:solidFill>
                   <a:schemeClr val="tx1"/>
                 </a:solidFill>
@@ -15920,7 +15954,7 @@
           </a:ln>
           <a:extLst>
             <a:ext uri="{91240B29-F687-4f45-9708-019B960494DF}">
-              <a14:hiddenLine xmlns="" xmlns:a14="http://schemas.microsoft.com/office/drawing/2010/main" w="12700" cap="flat">
+              <a14:hiddenLine xmlns:a14="http://schemas.microsoft.com/office/drawing/2010/main" xmlns="" w="12700" cap="flat">
                 <a:solidFill>
                   <a:schemeClr val="tx1"/>
                 </a:solidFill>
@@ -17896,36 +17930,44 @@
             </a:r>
           </a:p>
           <a:p>
-            <a:pPr marL="0" indent="0" hangingPunct="1">
-              <a:lnSpc>
-                <a:spcPct val="100000"/>
-              </a:lnSpc>
-              <a:spcBef>
-                <a:spcPct val="20000"/>
-              </a:spcBef>
+            <a:pPr marL="0" indent="0">
               <a:spcAft>
                 <a:spcPts val="0"/>
               </a:spcAft>
-              <a:buSzTx/>
               <a:buNone/>
               <a:defRPr/>
             </a:pPr>
             <a:r>
+              <a:rPr lang="en-US" sz="1800"/>
+              <a:t>How to guide: </a:t>
+            </a:r>
+            <a:r>
               <a:rPr lang="en-US" sz="1800">
-                <a:solidFill>
-                  <a:prstClr val="black"/>
-                </a:solidFill>
-                <a:latin typeface="Calibri"/>
                 <a:hlinkClick r:id="rId2"/>
               </a:rPr>
-              <a:t>https://drive.google.com/folderview?id=0B5kKwcd4kOq9RUlHcVBMVjJuX2c&amp;usp=sharing</a:t>
-            </a:r>
-            <a:endParaRPr lang="en-US" sz="1800">
-              <a:solidFill>
-                <a:prstClr val="black"/>
-              </a:solidFill>
-              <a:latin typeface="Calibri"/>
-            </a:endParaRPr>
+              <a:t>https://github.com/DataVirtualizationByExample/HortonworksUseCase1</a:t>
+            </a:r>
+            <a:endParaRPr lang="en-US" sz="1800"/>
+          </a:p>
+          <a:p>
+            <a:pPr marL="0" indent="0">
+              <a:spcAft>
+                <a:spcPts val="0"/>
+              </a:spcAft>
+              <a:buNone/>
+              <a:defRPr/>
+            </a:pPr>
+            <a:r>
+              <a:rPr lang="en-US" sz="1800"/>
+              <a:t>Tutorial: </a:t>
+            </a:r>
+            <a:r>
+              <a:rPr lang="en-US" sz="1800">
+                <a:hlinkClick r:id="rId3"/>
+              </a:rPr>
+              <a:t>http://hortonworks.com/hadoop-tutorial/evolving-data-stratagic-asset-using-hdp-red-hat-jboss-data-virtualization/</a:t>
+            </a:r>
+            <a:endParaRPr lang="en-US" sz="1800"/>
           </a:p>
           <a:p>
             <a:pPr marL="0" indent="0" hangingPunct="1">
@@ -17994,7 +18036,7 @@
             </a:pPr>
             <a:r>
               <a:rPr lang="en-US" sz="1800" smtClean="0">
-                <a:hlinkClick r:id="rId3"/>
+                <a:hlinkClick r:id="rId4"/>
               </a:rPr>
               <a:t>http://vimeo.com/user16928011/hortonworksusecase1short</a:t>
             </a:r>
@@ -18017,7 +18059,7 @@
             </a:pPr>
             <a:r>
               <a:rPr lang="en-US" sz="1800" smtClean="0">
-                <a:hlinkClick r:id="rId4"/>
+                <a:hlinkClick r:id="rId5"/>
               </a:rPr>
               <a:t>http://vimeo.com/user16928011/hortonworksusecase2short</a:t>
             </a:r>
@@ -18090,13 +18132,13 @@
             </a:pPr>
             <a:r>
               <a:rPr lang="en-US" sz="1800">
-                <a:hlinkClick r:id="rId5"/>
+                <a:hlinkClick r:id="rId2"/>
               </a:rPr>
               <a:t>https://</a:t>
             </a:r>
             <a:r>
               <a:rPr lang="en-US" sz="1800" smtClean="0">
-                <a:hlinkClick r:id="rId5"/>
+                <a:hlinkClick r:id="rId2"/>
               </a:rPr>
               <a:t>github.com/DataVirtualizationByExample/HortonworksUseCase1</a:t>
             </a:r>
@@ -18918,7 +18960,7 @@
           </a:ln>
           <a:extLst>
             <a:ext uri="{91240B29-F687-4f45-9708-019B960494DF}">
-              <a14:hiddenLine xmlns="" xmlns:a14="http://schemas.microsoft.com/office/drawing/2010/main" w="12700" cap="flat">
+              <a14:hiddenLine xmlns:a14="http://schemas.microsoft.com/office/drawing/2010/main" xmlns="" w="12700" cap="flat">
                 <a:solidFill>
                   <a:schemeClr val="tx1"/>
                 </a:solidFill>
@@ -18998,7 +19040,7 @@
           </a:ln>
           <a:extLst>
             <a:ext uri="{91240B29-F687-4f45-9708-019B960494DF}">
-              <a14:hiddenLine xmlns="" xmlns:a14="http://schemas.microsoft.com/office/drawing/2010/main" w="12700" cap="flat">
+              <a14:hiddenLine xmlns:a14="http://schemas.microsoft.com/office/drawing/2010/main" xmlns="" w="12700" cap="flat">
                 <a:solidFill>
                   <a:schemeClr val="tx1"/>
                 </a:solidFill>
@@ -20259,7 +20301,7 @@
             </a:r>
           </a:p>
           <a:p>
-            <a:pPr marL="0" indent="0" hangingPunct="1">
+            <a:pPr marL="0" indent="0" defTabSz="914400" fontAlgn="auto" hangingPunct="1">
               <a:lnSpc>
                 <a:spcPct val="100000"/>
               </a:lnSpc>
@@ -20269,26 +20311,61 @@
               <a:spcAft>
                 <a:spcPts val="0"/>
               </a:spcAft>
+              <a:buClrTx/>
               <a:buSzTx/>
               <a:buNone/>
               <a:defRPr/>
             </a:pPr>
             <a:r>
-              <a:rPr lang="en-US" sz="1800">
+              <a:rPr lang="en-US" sz="1800" smtClean="0">
                 <a:solidFill>
                   <a:prstClr val="black"/>
                 </a:solidFill>
                 <a:latin typeface="Calibri"/>
+                <a:ea typeface="+mn-ea"/>
+              </a:rPr>
+              <a:t>How to guide: </a:t>
+            </a:r>
+            <a:r>
+              <a:rPr lang="en-US" sz="1800" smtClean="0">
                 <a:hlinkClick r:id="rId2"/>
               </a:rPr>
-              <a:t>https://drive.google.com/folderview?id=0B5kKwcd4kOq9RUlHcVBMVjJuX2c&amp;usp=sharing</a:t>
-            </a:r>
-            <a:endParaRPr lang="en-US" sz="1800">
-              <a:solidFill>
-                <a:prstClr val="black"/>
-              </a:solidFill>
-              <a:latin typeface="Calibri"/>
-            </a:endParaRPr>
+              <a:t>https</a:t>
+            </a:r>
+            <a:r>
+              <a:rPr lang="en-US" sz="1800">
+                <a:hlinkClick r:id="rId2"/>
+              </a:rPr>
+              <a:t>://github.com/DataVirtualizationByExample/HortonworksUseCase2</a:t>
+            </a:r>
+            <a:endParaRPr lang="en-US" sz="1800"/>
+          </a:p>
+          <a:p>
+            <a:pPr marL="0" indent="0" defTabSz="914400" fontAlgn="auto" hangingPunct="1">
+              <a:lnSpc>
+                <a:spcPct val="100000"/>
+              </a:lnSpc>
+              <a:spcBef>
+                <a:spcPct val="20000"/>
+              </a:spcBef>
+              <a:spcAft>
+                <a:spcPts val="0"/>
+              </a:spcAft>
+              <a:buClrTx/>
+              <a:buSzTx/>
+              <a:buNone/>
+              <a:defRPr/>
+            </a:pPr>
+            <a:r>
+              <a:rPr lang="en-US" sz="1800" smtClean="0">
+                <a:solidFill>
+                  <a:prstClr val="black"/>
+                </a:solidFill>
+                <a:latin typeface="Calibri"/>
+                <a:ea typeface="+mn-ea"/>
+              </a:rPr>
+              <a:t>Tutorial: Available soon</a:t>
+            </a:r>
           </a:p>
           <a:p>
             <a:pPr marL="0" indent="0" defTabSz="914400" fontAlgn="auto" hangingPunct="1">
@@ -20459,13 +20536,13 @@
             </a:pPr>
             <a:r>
               <a:rPr lang="en-US" sz="1800">
-                <a:hlinkClick r:id="rId5"/>
+                <a:hlinkClick r:id="rId2"/>
               </a:rPr>
               <a:t>https://</a:t>
             </a:r>
             <a:r>
               <a:rPr lang="en-US" sz="1800" smtClean="0">
-                <a:hlinkClick r:id="rId5"/>
+                <a:hlinkClick r:id="rId2"/>
               </a:rPr>
               <a:t>github.com/DataVirtualizationByExample/HortonworksUseCase2</a:t>
             </a:r>
